--- a/trabajo de equipos.pptx
+++ b/trabajo de equipos.pptx
@@ -5,7 +5,7 @@
     <p:sldMasterId id="2147483659" r:id="rId1"/>
   </p:sldMasterIdLst>
   <p:notesMasterIdLst>
-    <p:notesMasterId r:id="rId17"/>
+    <p:notesMasterId r:id="rId18"/>
   </p:notesMasterIdLst>
   <p:sldIdLst>
     <p:sldId id="256" r:id="rId2"/>
@@ -18,28 +18,29 @@
     <p:sldId id="263" r:id="rId9"/>
     <p:sldId id="264" r:id="rId10"/>
     <p:sldId id="265" r:id="rId11"/>
-    <p:sldId id="266" r:id="rId12"/>
-    <p:sldId id="267" r:id="rId13"/>
-    <p:sldId id="268" r:id="rId14"/>
-    <p:sldId id="269" r:id="rId15"/>
-    <p:sldId id="270" r:id="rId16"/>
+    <p:sldId id="271" r:id="rId12"/>
+    <p:sldId id="266" r:id="rId13"/>
+    <p:sldId id="267" r:id="rId14"/>
+    <p:sldId id="268" r:id="rId15"/>
+    <p:sldId id="269" r:id="rId16"/>
+    <p:sldId id="270" r:id="rId17"/>
   </p:sldIdLst>
   <p:sldSz cx="9144000" cy="5143500" type="screen16x9"/>
   <p:notesSz cx="6858000" cy="9144000"/>
   <p:embeddedFontLst>
     <p:embeddedFont>
       <p:font typeface="Nunito" panose="020B0604020202020204" charset="0"/>
-      <p:regular r:id="rId18"/>
-      <p:bold r:id="rId19"/>
-      <p:italic r:id="rId20"/>
-      <p:boldItalic r:id="rId21"/>
+      <p:regular r:id="rId19"/>
+      <p:bold r:id="rId20"/>
+      <p:italic r:id="rId21"/>
+      <p:boldItalic r:id="rId22"/>
     </p:embeddedFont>
     <p:embeddedFont>
       <p:font typeface="Calibri" panose="020F0502020204030204" pitchFamily="34" charset="0"/>
-      <p:regular r:id="rId22"/>
-      <p:bold r:id="rId23"/>
-      <p:italic r:id="rId24"/>
-      <p:boldItalic r:id="rId25"/>
+      <p:regular r:id="rId23"/>
+      <p:bold r:id="rId24"/>
+      <p:italic r:id="rId25"/>
+      <p:boldItalic r:id="rId26"/>
     </p:embeddedFont>
   </p:embeddedFontLst>
   <p:defaultTextStyle>
@@ -9510,7 +9511,7 @@
         <p:fade/>
       </p:transition>
     </mc:Choice>
-    <mc:Fallback xmlns:p15="http://schemas.microsoft.com/office/powerpoint/2012/main" xmlns:com="http://schemas.openxmlformats.org/drawingml/2006/compatibility" xmlns:pvml="urn:schemas-microsoft-com:office:powerpoint" xmlns:v="urn:schemas-microsoft-com:vml" xmlns:o="urn:schemas-microsoft-com:office:office" xmlns:dgm="http://schemas.openxmlformats.org/drawingml/2006/diagram" xmlns:c="http://schemas.openxmlformats.org/drawingml/2006/chart" xmlns:mv="urn:schemas-microsoft-com:mac:vml" xmlns="">
+    <mc:Fallback xmlns="" xmlns:mv="urn:schemas-microsoft-com:mac:vml" xmlns:c="http://schemas.openxmlformats.org/drawingml/2006/chart" xmlns:dgm="http://schemas.openxmlformats.org/drawingml/2006/diagram" xmlns:o="urn:schemas-microsoft-com:office:office" xmlns:v="urn:schemas-microsoft-com:vml" xmlns:pvml="urn:schemas-microsoft-com:office:powerpoint" xmlns:com="http://schemas.openxmlformats.org/drawingml/2006/compatibility" xmlns:p15="http://schemas.microsoft.com/office/powerpoint/2012/main">
       <p:transition spd="slow">
         <p:fade/>
       </p:transition>
@@ -10442,6 +10443,97 @@
   <p:cSld>
     <p:spTree>
       <p:nvGrpSpPr>
+        <p:cNvPr id="1" name=""/>
+        <p:cNvGrpSpPr/>
+        <p:nvPr/>
+      </p:nvGrpSpPr>
+      <p:grpSpPr>
+        <a:xfrm>
+          <a:off x="0" y="0"/>
+          <a:ext cx="0" cy="0"/>
+          <a:chOff x="0" y="0"/>
+          <a:chExt cx="0" cy="0"/>
+        </a:xfrm>
+      </p:grpSpPr>
+      <p:sp>
+        <p:nvSpPr>
+          <p:cNvPr id="3" name="Marcador de texto 2"/>
+          <p:cNvSpPr>
+            <a:spLocks noGrp="1"/>
+          </p:cNvSpPr>
+          <p:nvPr>
+            <p:ph type="body" idx="1"/>
+          </p:nvPr>
+        </p:nvSpPr>
+        <p:spPr>
+          <a:xfrm>
+            <a:off x="819150" y="821933"/>
+            <a:ext cx="7505700" cy="3616792"/>
+          </a:xfrm>
+        </p:spPr>
+        <p:txBody>
+          <a:bodyPr/>
+          <a:lstStyle/>
+          <a:p>
+            <a:pPr marL="146050" indent="0">
+              <a:buNone/>
+            </a:pPr>
+            <a:r>
+              <a:rPr lang="es-MX" sz="1800" dirty="0" smtClean="0"/>
+              <a:t>Si solo quieres listar los contenedores con una id , se tiene usar el siguiente comando </a:t>
+            </a:r>
+            <a:endParaRPr lang="en-US" sz="1800" dirty="0"/>
+          </a:p>
+        </p:txBody>
+      </p:sp>
+      <p:pic>
+        <p:nvPicPr>
+          <p:cNvPr id="4" name="Imagen 3"/>
+          <p:cNvPicPr>
+            <a:picLocks noChangeAspect="1"/>
+          </p:cNvPicPr>
+          <p:nvPr/>
+        </p:nvPicPr>
+        <p:blipFill>
+          <a:blip r:embed="rId2">
+            <a:extLst>
+              <a:ext uri="{28A0092B-C50C-407E-A947-70E740481C1C}">
+                <a14:useLocalDpi xmlns:a14="http://schemas.microsoft.com/office/drawing/2010/main" val="0"/>
+              </a:ext>
+            </a:extLst>
+          </a:blip>
+          <a:stretch>
+            <a:fillRect/>
+          </a:stretch>
+        </p:blipFill>
+        <p:spPr>
+          <a:xfrm>
+            <a:off x="1113942" y="1974118"/>
+            <a:ext cx="6916115" cy="409632"/>
+          </a:xfrm>
+          <a:prstGeom prst="rect">
+            <a:avLst/>
+          </a:prstGeom>
+        </p:spPr>
+      </p:pic>
+    </p:spTree>
+    <p:extLst>
+      <p:ext uri="{BB962C8B-B14F-4D97-AF65-F5344CB8AC3E}">
+        <p14:creationId xmlns:p14="http://schemas.microsoft.com/office/powerpoint/2010/main" val="3899597719"/>
+      </p:ext>
+    </p:extLst>
+  </p:cSld>
+  <p:clrMapOvr>
+    <a:masterClrMapping/>
+  </p:clrMapOvr>
+</p:sld>
+</file>
+
+<file path=ppt/slides/slide12.xml><?xml version="1.0" encoding="utf-8"?>
+<p:sld xmlns:a="http://schemas.openxmlformats.org/drawingml/2006/main" xmlns:r="http://schemas.openxmlformats.org/officeDocument/2006/relationships" xmlns:p="http://schemas.openxmlformats.org/presentationml/2006/main">
+  <p:cSld>
+    <p:spTree>
+      <p:nvGrpSpPr>
         <p:cNvPr id="1" name="Shape 190"/>
         <p:cNvGrpSpPr/>
         <p:nvPr/>
@@ -10574,7 +10666,7 @@
 </p:sld>
 </file>
 
-<file path=ppt/slides/slide12.xml><?xml version="1.0" encoding="utf-8"?>
+<file path=ppt/slides/slide13.xml><?xml version="1.0" encoding="utf-8"?>
 <p:sld xmlns:a="http://schemas.openxmlformats.org/drawingml/2006/main" xmlns:r="http://schemas.openxmlformats.org/officeDocument/2006/relationships" xmlns:p="http://schemas.openxmlformats.org/presentationml/2006/main">
   <p:cSld>
     <p:spTree>
@@ -10824,7 +10916,7 @@
 </p:sld>
 </file>
 
-<file path=ppt/slides/slide13.xml><?xml version="1.0" encoding="utf-8"?>
+<file path=ppt/slides/slide14.xml><?xml version="1.0" encoding="utf-8"?>
 <p:sld xmlns:a="http://schemas.openxmlformats.org/drawingml/2006/main" xmlns:r="http://schemas.openxmlformats.org/officeDocument/2006/relationships" xmlns:p="http://schemas.openxmlformats.org/presentationml/2006/main">
   <p:cSld>
     <p:spTree>
@@ -11036,7 +11128,7 @@
 </p:sld>
 </file>
 
-<file path=ppt/slides/slide14.xml><?xml version="1.0" encoding="utf-8"?>
+<file path=ppt/slides/slide15.xml><?xml version="1.0" encoding="utf-8"?>
 <p:sld xmlns:a="http://schemas.openxmlformats.org/drawingml/2006/main" xmlns:r="http://schemas.openxmlformats.org/officeDocument/2006/relationships" xmlns:p="http://schemas.openxmlformats.org/presentationml/2006/main">
   <p:cSld>
     <p:spTree>
@@ -11168,7 +11260,7 @@
 </p:sld>
 </file>
 
-<file path=ppt/slides/slide15.xml><?xml version="1.0" encoding="utf-8"?>
+<file path=ppt/slides/slide16.xml><?xml version="1.0" encoding="utf-8"?>
 <p:sld xmlns:a="http://schemas.openxmlformats.org/drawingml/2006/main" xmlns:r="http://schemas.openxmlformats.org/officeDocument/2006/relationships" xmlns:p="http://schemas.openxmlformats.org/presentationml/2006/main">
   <p:cSld>
     <p:spTree>
@@ -11404,7 +11496,7 @@
         <p:push dir="r"/>
       </p:transition>
     </mc:Choice>
-    <mc:Fallback xmlns:p15="http://schemas.microsoft.com/office/powerpoint/2012/main" xmlns:com="http://schemas.openxmlformats.org/drawingml/2006/compatibility" xmlns:pvml="urn:schemas-microsoft-com:office:powerpoint" xmlns:v="urn:schemas-microsoft-com:vml" xmlns:o="urn:schemas-microsoft-com:office:office" xmlns:dgm="http://schemas.openxmlformats.org/drawingml/2006/diagram" xmlns:c="http://schemas.openxmlformats.org/drawingml/2006/chart" xmlns:mv="urn:schemas-microsoft-com:mac:vml" xmlns="">
+    <mc:Fallback xmlns="" xmlns:mv="urn:schemas-microsoft-com:mac:vml" xmlns:c="http://schemas.openxmlformats.org/drawingml/2006/chart" xmlns:dgm="http://schemas.openxmlformats.org/drawingml/2006/diagram" xmlns:o="urn:schemas-microsoft-com:office:office" xmlns:v="urn:schemas-microsoft-com:vml" xmlns:pvml="urn:schemas-microsoft-com:office:powerpoint" xmlns:com="http://schemas.openxmlformats.org/drawingml/2006/compatibility" xmlns:p15="http://schemas.microsoft.com/office/powerpoint/2012/main">
       <p:transition spd="slow">
         <p:fade/>
       </p:transition>
